--- a/받은자료/레아이웃 연습.pptx
+++ b/받은자료/레아이웃 연습.pptx
@@ -206,7 +206,7 @@
           <a:p>
             <a:fld id="{DCBD77C6-F2B3-4510-9CC9-89FD691C6D7E}" type="datetimeFigureOut">
               <a:rPr lang="ko-KR" altLang="en-US" smtClean="0"/>
-              <a:t>2023-02-22</a:t>
+              <a:t>2023-02-24</a:t>
             </a:fld>
             <a:endParaRPr lang="ko-KR" altLang="en-US"/>
           </a:p>
@@ -749,7 +749,7 @@
             <a:fld id="{B61BEF0D-F0BB-DE4B-95CE-6DB70DBA9567}" type="datetimeFigureOut">
               <a:rPr lang="en-US" dirty="0"/>
               <a:pPr/>
-              <a:t>2/22/2023</a:t>
+              <a:t>2/24/2023</a:t>
             </a:fld>
             <a:endParaRPr lang="en-US" dirty="0"/>
           </a:p>
@@ -1084,7 +1084,7 @@
             <a:fld id="{B61BEF0D-F0BB-DE4B-95CE-6DB70DBA9567}" type="datetimeFigureOut">
               <a:rPr lang="en-US" dirty="0"/>
               <a:pPr/>
-              <a:t>2/22/2023</a:t>
+              <a:t>2/24/2023</a:t>
             </a:fld>
             <a:endParaRPr lang="en-US" dirty="0"/>
           </a:p>
@@ -1482,7 +1482,7 @@
             <a:fld id="{B61BEF0D-F0BB-DE4B-95CE-6DB70DBA9567}" type="datetimeFigureOut">
               <a:rPr lang="en-US" dirty="0"/>
               <a:pPr/>
-              <a:t>2/22/2023</a:t>
+              <a:t>2/24/2023</a:t>
             </a:fld>
             <a:endParaRPr lang="en-US" dirty="0"/>
           </a:p>
@@ -1819,7 +1819,7 @@
             <a:fld id="{B61BEF0D-F0BB-DE4B-95CE-6DB70DBA9567}" type="datetimeFigureOut">
               <a:rPr lang="en-US" dirty="0"/>
               <a:pPr/>
-              <a:t>2/22/2023</a:t>
+              <a:t>2/24/2023</a:t>
             </a:fld>
             <a:endParaRPr lang="en-US" dirty="0"/>
           </a:p>
@@ -2136,7 +2136,7 @@
             <a:fld id="{B61BEF0D-F0BB-DE4B-95CE-6DB70DBA9567}" type="datetimeFigureOut">
               <a:rPr lang="en-US" dirty="0"/>
               <a:pPr/>
-              <a:t>2/22/2023</a:t>
+              <a:t>2/24/2023</a:t>
             </a:fld>
             <a:endParaRPr lang="en-US" dirty="0"/>
           </a:p>
@@ -2529,7 +2529,7 @@
             <a:fld id="{B61BEF0D-F0BB-DE4B-95CE-6DB70DBA9567}" type="datetimeFigureOut">
               <a:rPr lang="en-US" dirty="0"/>
               <a:pPr/>
-              <a:t>2/22/2023</a:t>
+              <a:t>2/24/2023</a:t>
             </a:fld>
             <a:endParaRPr lang="en-US" dirty="0"/>
           </a:p>
@@ -2783,7 +2783,7 @@
             <a:fld id="{B61BEF0D-F0BB-DE4B-95CE-6DB70DBA9567}" type="datetimeFigureOut">
               <a:rPr lang="en-US" dirty="0"/>
               <a:pPr/>
-              <a:t>2/22/2023</a:t>
+              <a:t>2/24/2023</a:t>
             </a:fld>
             <a:endParaRPr lang="en-US" dirty="0"/>
           </a:p>
@@ -3042,7 +3042,7 @@
             <a:fld id="{B61BEF0D-F0BB-DE4B-95CE-6DB70DBA9567}" type="datetimeFigureOut">
               <a:rPr lang="en-US" dirty="0"/>
               <a:pPr/>
-              <a:t>2/22/2023</a:t>
+              <a:t>2/24/2023</a:t>
             </a:fld>
             <a:endParaRPr lang="en-US" dirty="0"/>
           </a:p>
@@ -3347,7 +3347,7 @@
             <a:fld id="{B61BEF0D-F0BB-DE4B-95CE-6DB70DBA9567}" type="datetimeFigureOut">
               <a:rPr lang="en-US" dirty="0"/>
               <a:pPr/>
-              <a:t>2/22/2023</a:t>
+              <a:t>2/24/2023</a:t>
             </a:fld>
             <a:endParaRPr lang="en-US" dirty="0"/>
           </a:p>
@@ -3673,7 +3673,7 @@
             <a:fld id="{B61BEF0D-F0BB-DE4B-95CE-6DB70DBA9567}" type="datetimeFigureOut">
               <a:rPr lang="en-US" dirty="0"/>
               <a:pPr/>
-              <a:t>2/22/2023</a:t>
+              <a:t>2/24/2023</a:t>
             </a:fld>
             <a:endParaRPr lang="en-US" dirty="0"/>
           </a:p>
@@ -3993,7 +3993,7 @@
             <a:fld id="{B61BEF0D-F0BB-DE4B-95CE-6DB70DBA9567}" type="datetimeFigureOut">
               <a:rPr lang="en-US" dirty="0"/>
               <a:pPr/>
-              <a:t>2/22/2023</a:t>
+              <a:t>2/24/2023</a:t>
             </a:fld>
             <a:endParaRPr lang="en-US" dirty="0"/>
           </a:p>
@@ -4447,7 +4447,7 @@
             <a:fld id="{B61BEF0D-F0BB-DE4B-95CE-6DB70DBA9567}" type="datetimeFigureOut">
               <a:rPr lang="en-US" dirty="0"/>
               <a:pPr/>
-              <a:t>2/22/2023</a:t>
+              <a:t>2/24/2023</a:t>
             </a:fld>
             <a:endParaRPr lang="en-US" dirty="0"/>
           </a:p>
@@ -4649,7 +4649,7 @@
             <a:fld id="{B61BEF0D-F0BB-DE4B-95CE-6DB70DBA9567}" type="datetimeFigureOut">
               <a:rPr lang="en-US" dirty="0"/>
               <a:pPr/>
-              <a:t>2/22/2023</a:t>
+              <a:t>2/24/2023</a:t>
             </a:fld>
             <a:endParaRPr lang="en-US" dirty="0"/>
           </a:p>
@@ -4823,7 +4823,7 @@
             <a:fld id="{B61BEF0D-F0BB-DE4B-95CE-6DB70DBA9567}" type="datetimeFigureOut">
               <a:rPr lang="en-US" dirty="0"/>
               <a:pPr/>
-              <a:t>2/22/2023</a:t>
+              <a:t>2/24/2023</a:t>
             </a:fld>
             <a:endParaRPr lang="en-US" dirty="0"/>
           </a:p>
@@ -5153,7 +5153,7 @@
             <a:fld id="{B61BEF0D-F0BB-DE4B-95CE-6DB70DBA9567}" type="datetimeFigureOut">
               <a:rPr lang="en-US" dirty="0"/>
               <a:pPr/>
-              <a:t>2/22/2023</a:t>
+              <a:t>2/24/2023</a:t>
             </a:fld>
             <a:endParaRPr lang="en-US" dirty="0"/>
           </a:p>
@@ -5495,7 +5495,7 @@
             <a:fld id="{B61BEF0D-F0BB-DE4B-95CE-6DB70DBA9567}" type="datetimeFigureOut">
               <a:rPr lang="en-US" dirty="0"/>
               <a:pPr/>
-              <a:t>2/22/2023</a:t>
+              <a:t>2/24/2023</a:t>
             </a:fld>
             <a:endParaRPr lang="en-US" dirty="0"/>
           </a:p>
@@ -7609,7 +7609,7 @@
             <a:fld id="{B61BEF0D-F0BB-DE4B-95CE-6DB70DBA9567}" type="datetimeFigureOut">
               <a:rPr lang="en-US" dirty="0"/>
               <a:pPr/>
-              <a:t>2/22/2023</a:t>
+              <a:t>2/24/2023</a:t>
             </a:fld>
             <a:endParaRPr lang="en-US" dirty="0"/>
           </a:p>
@@ -8190,6 +8190,13 @@
   <p:clrMapOvr>
     <a:masterClrMapping/>
   </p:clrMapOvr>
+  <p:timing>
+    <p:tnLst>
+      <p:par>
+        <p:cTn id="1" dur="indefinite" restart="never" nodeType="tmRoot"/>
+      </p:par>
+    </p:tnLst>
+  </p:timing>
 </p:sld>
 </file>
 
@@ -8370,6 +8377,13 @@
   <p:clrMapOvr>
     <a:masterClrMapping/>
   </p:clrMapOvr>
+  <p:timing>
+    <p:tnLst>
+      <p:par>
+        <p:cTn id="1" dur="indefinite" restart="never" nodeType="tmRoot"/>
+      </p:par>
+    </p:tnLst>
+  </p:timing>
 </p:sld>
 </file>
 
